--- a/LAB02/lab2_312651057.pptx
+++ b/LAB02/lab2_312651057.pptx
@@ -13,10 +13,8 @@
     <p:sldId id="264" r:id="rId7"/>
     <p:sldId id="258" r:id="rId8"/>
     <p:sldId id="265" r:id="rId9"/>
-    <p:sldId id="259" r:id="rId10"/>
-    <p:sldId id="267" r:id="rId11"/>
-    <p:sldId id="260" r:id="rId12"/>
-    <p:sldId id="268" r:id="rId13"/>
+    <p:sldId id="260" r:id="rId10"/>
+    <p:sldId id="268" r:id="rId11"/>
   </p:sldIdLst>
   <p:sldSz cx="12192000" cy="6858000"/>
   <p:notesSz cx="6858000" cy="9144000"/>
@@ -270,7 +268,7 @@
           <a:p>
             <a:fld id="{D403C2BD-74A5-45C4-87A0-6C0D79D0DF73}" type="datetimeFigureOut">
               <a:rPr lang="zh-TW" altLang="en-US" smtClean="0"/>
-              <a:t>2025/3/10</a:t>
+              <a:t>2025/3/12</a:t>
             </a:fld>
             <a:endParaRPr lang="zh-TW" altLang="en-US"/>
           </a:p>
@@ -468,7 +466,7 @@
           <a:p>
             <a:fld id="{D403C2BD-74A5-45C4-87A0-6C0D79D0DF73}" type="datetimeFigureOut">
               <a:rPr lang="zh-TW" altLang="en-US" smtClean="0"/>
-              <a:t>2025/3/10</a:t>
+              <a:t>2025/3/12</a:t>
             </a:fld>
             <a:endParaRPr lang="zh-TW" altLang="en-US"/>
           </a:p>
@@ -676,7 +674,7 @@
           <a:p>
             <a:fld id="{D403C2BD-74A5-45C4-87A0-6C0D79D0DF73}" type="datetimeFigureOut">
               <a:rPr lang="zh-TW" altLang="en-US" smtClean="0"/>
-              <a:t>2025/3/10</a:t>
+              <a:t>2025/3/12</a:t>
             </a:fld>
             <a:endParaRPr lang="zh-TW" altLang="en-US"/>
           </a:p>
@@ -874,7 +872,7 @@
           <a:p>
             <a:fld id="{D403C2BD-74A5-45C4-87A0-6C0D79D0DF73}" type="datetimeFigureOut">
               <a:rPr lang="zh-TW" altLang="en-US" smtClean="0"/>
-              <a:t>2025/3/10</a:t>
+              <a:t>2025/3/12</a:t>
             </a:fld>
             <a:endParaRPr lang="zh-TW" altLang="en-US"/>
           </a:p>
@@ -1149,7 +1147,7 @@
           <a:p>
             <a:fld id="{D403C2BD-74A5-45C4-87A0-6C0D79D0DF73}" type="datetimeFigureOut">
               <a:rPr lang="zh-TW" altLang="en-US" smtClean="0"/>
-              <a:t>2025/3/10</a:t>
+              <a:t>2025/3/12</a:t>
             </a:fld>
             <a:endParaRPr lang="zh-TW" altLang="en-US"/>
           </a:p>
@@ -1414,7 +1412,7 @@
           <a:p>
             <a:fld id="{D403C2BD-74A5-45C4-87A0-6C0D79D0DF73}" type="datetimeFigureOut">
               <a:rPr lang="zh-TW" altLang="en-US" smtClean="0"/>
-              <a:t>2025/3/10</a:t>
+              <a:t>2025/3/12</a:t>
             </a:fld>
             <a:endParaRPr lang="zh-TW" altLang="en-US"/>
           </a:p>
@@ -1826,7 +1824,7 @@
           <a:p>
             <a:fld id="{D403C2BD-74A5-45C4-87A0-6C0D79D0DF73}" type="datetimeFigureOut">
               <a:rPr lang="zh-TW" altLang="en-US" smtClean="0"/>
-              <a:t>2025/3/10</a:t>
+              <a:t>2025/3/12</a:t>
             </a:fld>
             <a:endParaRPr lang="zh-TW" altLang="en-US"/>
           </a:p>
@@ -1967,7 +1965,7 @@
           <a:p>
             <a:fld id="{D403C2BD-74A5-45C4-87A0-6C0D79D0DF73}" type="datetimeFigureOut">
               <a:rPr lang="zh-TW" altLang="en-US" smtClean="0"/>
-              <a:t>2025/3/10</a:t>
+              <a:t>2025/3/12</a:t>
             </a:fld>
             <a:endParaRPr lang="zh-TW" altLang="en-US"/>
           </a:p>
@@ -2080,7 +2078,7 @@
           <a:p>
             <a:fld id="{D403C2BD-74A5-45C4-87A0-6C0D79D0DF73}" type="datetimeFigureOut">
               <a:rPr lang="zh-TW" altLang="en-US" smtClean="0"/>
-              <a:t>2025/3/10</a:t>
+              <a:t>2025/3/12</a:t>
             </a:fld>
             <a:endParaRPr lang="zh-TW" altLang="en-US"/>
           </a:p>
@@ -2391,7 +2389,7 @@
           <a:p>
             <a:fld id="{D403C2BD-74A5-45C4-87A0-6C0D79D0DF73}" type="datetimeFigureOut">
               <a:rPr lang="zh-TW" altLang="en-US" smtClean="0"/>
-              <a:t>2025/3/10</a:t>
+              <a:t>2025/3/12</a:t>
             </a:fld>
             <a:endParaRPr lang="zh-TW" altLang="en-US"/>
           </a:p>
@@ -2679,7 +2677,7 @@
           <a:p>
             <a:fld id="{D403C2BD-74A5-45C4-87A0-6C0D79D0DF73}" type="datetimeFigureOut">
               <a:rPr lang="zh-TW" altLang="en-US" smtClean="0"/>
-              <a:t>2025/3/10</a:t>
+              <a:t>2025/3/12</a:t>
             </a:fld>
             <a:endParaRPr lang="zh-TW" altLang="en-US"/>
           </a:p>
@@ -2920,7 +2918,7 @@
           <a:p>
             <a:fld id="{D403C2BD-74A5-45C4-87A0-6C0D79D0DF73}" type="datetimeFigureOut">
               <a:rPr lang="zh-TW" altLang="en-US" smtClean="0"/>
-              <a:t>2025/3/10</a:t>
+              <a:t>2025/3/12</a:t>
             </a:fld>
             <a:endParaRPr lang="zh-TW" altLang="en-US"/>
           </a:p>
@@ -3434,114 +3432,6 @@
         <p:cNvPr id="1" name="">
           <a:extLst>
             <a:ext uri="{FF2B5EF4-FFF2-40B4-BE49-F238E27FC236}">
-              <a16:creationId xmlns:a16="http://schemas.microsoft.com/office/drawing/2014/main" id="{DD044BBB-154C-7FC5-EADD-EEFD91BAE797}"/>
-            </a:ext>
-          </a:extLst>
-        </p:cNvPr>
-        <p:cNvGrpSpPr/>
-        <p:nvPr/>
-      </p:nvGrpSpPr>
-      <p:grpSpPr>
-        <a:xfrm>
-          <a:off x="0" y="0"/>
-          <a:ext cx="0" cy="0"/>
-          <a:chOff x="0" y="0"/>
-          <a:chExt cx="0" cy="0"/>
-        </a:xfrm>
-      </p:grpSpPr>
-    </p:spTree>
-    <p:extLst>
-      <p:ext uri="{BB962C8B-B14F-4D97-AF65-F5344CB8AC3E}">
-        <p14:creationId xmlns:p14="http://schemas.microsoft.com/office/powerpoint/2010/main" val="3766958621"/>
-      </p:ext>
-    </p:extLst>
-  </p:cSld>
-  <p:clrMapOvr>
-    <a:masterClrMapping/>
-  </p:clrMapOvr>
-</p:sld>
-</file>
-
-<file path=ppt/slides/slide11.xml><?xml version="1.0" encoding="utf-8"?>
-<p:sld xmlns:a="http://schemas.openxmlformats.org/drawingml/2006/main" xmlns:r="http://schemas.openxmlformats.org/officeDocument/2006/relationships" xmlns:p="http://schemas.openxmlformats.org/presentationml/2006/main">
-  <p:cSld>
-    <p:spTree>
-      <p:nvGrpSpPr>
-        <p:cNvPr id="1" name="">
-          <a:extLst>
-            <a:ext uri="{FF2B5EF4-FFF2-40B4-BE49-F238E27FC236}">
-              <a16:creationId xmlns:a16="http://schemas.microsoft.com/office/drawing/2014/main" id="{56614DED-5E7A-1AB6-F671-ED677E146B2F}"/>
-            </a:ext>
-          </a:extLst>
-        </p:cNvPr>
-        <p:cNvGrpSpPr/>
-        <p:nvPr/>
-      </p:nvGrpSpPr>
-      <p:grpSpPr>
-        <a:xfrm>
-          <a:off x="0" y="0"/>
-          <a:ext cx="0" cy="0"/>
-          <a:chOff x="0" y="0"/>
-          <a:chExt cx="0" cy="0"/>
-        </a:xfrm>
-      </p:grpSpPr>
-      <p:sp>
-        <p:nvSpPr>
-          <p:cNvPr id="2" name="標題 1">
-            <a:extLst>
-              <a:ext uri="{FF2B5EF4-FFF2-40B4-BE49-F238E27FC236}">
-                <a16:creationId xmlns:a16="http://schemas.microsoft.com/office/drawing/2014/main" id="{D8B7F0BE-C2F3-E628-87D7-448397E76B7E}"/>
-              </a:ext>
-            </a:extLst>
-          </p:cNvPr>
-          <p:cNvSpPr>
-            <a:spLocks noGrp="1"/>
-          </p:cNvSpPr>
-          <p:nvPr>
-            <p:ph type="ctrTitle"/>
-          </p:nvPr>
-        </p:nvSpPr>
-        <p:spPr>
-          <a:xfrm>
-            <a:off x="1524000" y="2907538"/>
-            <a:ext cx="9144000" cy="1042924"/>
-          </a:xfrm>
-        </p:spPr>
-        <p:txBody>
-          <a:bodyPr/>
-          <a:lstStyle/>
-          <a:p>
-            <a:r>
-              <a:rPr lang="zh-TW" altLang="en-US" dirty="0">
-                <a:latin typeface="標楷體" panose="03000509000000000000" pitchFamily="65" charset="-120"/>
-                <a:ea typeface="標楷體" panose="03000509000000000000" pitchFamily="65" charset="-120"/>
-              </a:rPr>
-              <a:t>問題與討論</a:t>
-            </a:r>
-          </a:p>
-        </p:txBody>
-      </p:sp>
-    </p:spTree>
-    <p:extLst>
-      <p:ext uri="{BB962C8B-B14F-4D97-AF65-F5344CB8AC3E}">
-        <p14:creationId xmlns:p14="http://schemas.microsoft.com/office/powerpoint/2010/main" val="2252927369"/>
-      </p:ext>
-    </p:extLst>
-  </p:cSld>
-  <p:clrMapOvr>
-    <a:masterClrMapping/>
-  </p:clrMapOvr>
-</p:sld>
-</file>
-
-<file path=ppt/slides/slide12.xml><?xml version="1.0" encoding="utf-8"?>
-<p:sld xmlns:a="http://schemas.openxmlformats.org/drawingml/2006/main" xmlns:r="http://schemas.openxmlformats.org/officeDocument/2006/relationships" xmlns:p="http://schemas.openxmlformats.org/presentationml/2006/main">
-  <p:cSld>
-    <p:spTree>
-      <p:nvGrpSpPr>
-        <p:cNvPr id="1" name="">
-          <a:extLst>
-            <a:ext uri="{FF2B5EF4-FFF2-40B4-BE49-F238E27FC236}">
               <a16:creationId xmlns:a16="http://schemas.microsoft.com/office/drawing/2014/main" id="{559B385D-76BB-5FAA-35C2-B10C69EBADA0}"/>
             </a:ext>
           </a:extLst>
@@ -3557,6 +3447,264 @@
           <a:chExt cx="0" cy="0"/>
         </a:xfrm>
       </p:grpSpPr>
+      <p:sp>
+        <p:nvSpPr>
+          <p:cNvPr id="4" name="文字方塊 3">
+            <a:extLst>
+              <a:ext uri="{FF2B5EF4-FFF2-40B4-BE49-F238E27FC236}">
+                <a16:creationId xmlns:a16="http://schemas.microsoft.com/office/drawing/2014/main" id="{312493DF-8F38-DBA8-9D73-E380F2103317}"/>
+              </a:ext>
+            </a:extLst>
+          </p:cNvPr>
+          <p:cNvSpPr txBox="1"/>
+          <p:nvPr/>
+        </p:nvSpPr>
+        <p:spPr>
+          <a:xfrm>
+            <a:off x="2493168" y="726384"/>
+            <a:ext cx="7683415" cy="874598"/>
+          </a:xfrm>
+          <a:prstGeom prst="rect">
+            <a:avLst/>
+          </a:prstGeom>
+          <a:noFill/>
+        </p:spPr>
+        <p:txBody>
+          <a:bodyPr wrap="square" rtlCol="0">
+            <a:spAutoFit/>
+          </a:bodyPr>
+          <a:lstStyle/>
+          <a:p>
+            <a:pPr>
+              <a:lnSpc>
+                <a:spcPct val="150000"/>
+              </a:lnSpc>
+            </a:pPr>
+            <a:r>
+              <a:rPr lang="zh-TW" altLang="en-US" dirty="0">
+                <a:latin typeface="標楷體" panose="03000509000000000000" pitchFamily="65" charset="-120"/>
+                <a:ea typeface="標楷體" panose="03000509000000000000" pitchFamily="65" charset="-120"/>
+              </a:rPr>
+              <a:t>討論 </a:t>
+            </a:r>
+            <a:r>
+              <a:rPr lang="en-US" altLang="zh-TW" dirty="0">
+                <a:latin typeface="標楷體" panose="03000509000000000000" pitchFamily="65" charset="-120"/>
+                <a:ea typeface="標楷體" panose="03000509000000000000" pitchFamily="65" charset="-120"/>
+              </a:rPr>
+              <a:t>:</a:t>
+            </a:r>
+            <a:r>
+              <a:rPr lang="zh-TW" altLang="en-US" dirty="0">
+                <a:latin typeface="標楷體" panose="03000509000000000000" pitchFamily="65" charset="-120"/>
+                <a:ea typeface="標楷體" panose="03000509000000000000" pitchFamily="65" charset="-120"/>
+              </a:rPr>
+              <a:t> 針對本次</a:t>
+            </a:r>
+            <a:r>
+              <a:rPr lang="en-US" altLang="zh-TW" dirty="0">
+                <a:latin typeface="Times New Roman" panose="02020603050405020304" pitchFamily="18" charset="0"/>
+                <a:ea typeface="標楷體" panose="03000509000000000000" pitchFamily="65" charset="-120"/>
+                <a:cs typeface="Times New Roman" panose="02020603050405020304" pitchFamily="18" charset="0"/>
+              </a:rPr>
+              <a:t>LAB</a:t>
+            </a:r>
+            <a:r>
+              <a:rPr lang="zh-TW" altLang="en-US" dirty="0">
+                <a:latin typeface="標楷體" panose="03000509000000000000" pitchFamily="65" charset="-120"/>
+                <a:ea typeface="標楷體" panose="03000509000000000000" pitchFamily="65" charset="-120"/>
+              </a:rPr>
+              <a:t>，比上次的難了一點，但還可以接受，主要原因是多了記憶元件，所以衍伸出了很多問題。</a:t>
+            </a:r>
+            <a:endParaRPr lang="en-US" altLang="zh-TW" dirty="0">
+              <a:latin typeface="標楷體" panose="03000509000000000000" pitchFamily="65" charset="-120"/>
+              <a:ea typeface="標楷體" panose="03000509000000000000" pitchFamily="65" charset="-120"/>
+            </a:endParaRPr>
+          </a:p>
+        </p:txBody>
+      </p:sp>
+      <p:sp>
+        <p:nvSpPr>
+          <p:cNvPr id="5" name="文字方塊 4">
+            <a:extLst>
+              <a:ext uri="{FF2B5EF4-FFF2-40B4-BE49-F238E27FC236}">
+                <a16:creationId xmlns:a16="http://schemas.microsoft.com/office/drawing/2014/main" id="{C452D518-2786-2389-4E56-07DD0A89A26A}"/>
+              </a:ext>
+            </a:extLst>
+          </p:cNvPr>
+          <p:cNvSpPr txBox="1"/>
+          <p:nvPr/>
+        </p:nvSpPr>
+        <p:spPr>
+          <a:xfrm>
+            <a:off x="2493168" y="2132107"/>
+            <a:ext cx="7683415" cy="1705595"/>
+          </a:xfrm>
+          <a:prstGeom prst="rect">
+            <a:avLst/>
+          </a:prstGeom>
+          <a:noFill/>
+        </p:spPr>
+        <p:txBody>
+          <a:bodyPr wrap="square" rtlCol="0">
+            <a:spAutoFit/>
+          </a:bodyPr>
+          <a:lstStyle/>
+          <a:p>
+            <a:pPr>
+              <a:lnSpc>
+                <a:spcPct val="150000"/>
+              </a:lnSpc>
+            </a:pPr>
+            <a:r>
+              <a:rPr lang="zh-TW" altLang="en-US" dirty="0">
+                <a:latin typeface="標楷體" panose="03000509000000000000" pitchFamily="65" charset="-120"/>
+                <a:ea typeface="標楷體" panose="03000509000000000000" pitchFamily="65" charset="-120"/>
+              </a:rPr>
+              <a:t>問題 </a:t>
+            </a:r>
+            <a:r>
+              <a:rPr lang="en-US" altLang="zh-TW" dirty="0">
+                <a:latin typeface="標楷體" panose="03000509000000000000" pitchFamily="65" charset="-120"/>
+                <a:ea typeface="標楷體" panose="03000509000000000000" pitchFamily="65" charset="-120"/>
+              </a:rPr>
+              <a:t>:</a:t>
+            </a:r>
+            <a:r>
+              <a:rPr lang="zh-TW" altLang="en-US" dirty="0">
+                <a:latin typeface="標楷體" panose="03000509000000000000" pitchFamily="65" charset="-120"/>
+                <a:ea typeface="標楷體" panose="03000509000000000000" pitchFamily="65" charset="-120"/>
+              </a:rPr>
+              <a:t> 左下圖是我在</a:t>
+            </a:r>
+            <a:r>
+              <a:rPr lang="en-US" altLang="zh-TW" dirty="0">
+                <a:latin typeface="標楷體" panose="03000509000000000000" pitchFamily="65" charset="-120"/>
+                <a:ea typeface="標楷體" panose="03000509000000000000" pitchFamily="65" charset="-120"/>
+              </a:rPr>
+              <a:t>coding</a:t>
+            </a:r>
+            <a:r>
+              <a:rPr lang="zh-TW" altLang="en-US" dirty="0">
+                <a:latin typeface="標楷體" panose="03000509000000000000" pitchFamily="65" charset="-120"/>
+                <a:ea typeface="標楷體" panose="03000509000000000000" pitchFamily="65" charset="-120"/>
+              </a:rPr>
+              <a:t>時遇到的問題，我如果設定小時與分鐘後，都會把</a:t>
+            </a:r>
+            <a:r>
+              <a:rPr lang="en-US" altLang="zh-TW" dirty="0" err="1">
+                <a:latin typeface="標楷體" panose="03000509000000000000" pitchFamily="65" charset="-120"/>
+                <a:ea typeface="標楷體" panose="03000509000000000000" pitchFamily="65" charset="-120"/>
+              </a:rPr>
+              <a:t>set_valid</a:t>
+            </a:r>
+            <a:r>
+              <a:rPr lang="zh-TW" altLang="en-US" dirty="0">
+                <a:latin typeface="標楷體" panose="03000509000000000000" pitchFamily="65" charset="-120"/>
+                <a:ea typeface="標楷體" panose="03000509000000000000" pitchFamily="65" charset="-120"/>
+              </a:rPr>
+              <a:t>設為</a:t>
+            </a:r>
+            <a:r>
+              <a:rPr lang="en-US" altLang="zh-TW" dirty="0">
+                <a:latin typeface="標楷體" panose="03000509000000000000" pitchFamily="65" charset="-120"/>
+                <a:ea typeface="標楷體" panose="03000509000000000000" pitchFamily="65" charset="-120"/>
+              </a:rPr>
+              <a:t>1</a:t>
+            </a:r>
+            <a:r>
+              <a:rPr lang="zh-TW" altLang="en-US" dirty="0">
+                <a:latin typeface="標楷體" panose="03000509000000000000" pitchFamily="65" charset="-120"/>
+                <a:ea typeface="標楷體" panose="03000509000000000000" pitchFamily="65" charset="-120"/>
+              </a:rPr>
+              <a:t>，但這就是問題點，如果我設為</a:t>
+            </a:r>
+            <a:r>
+              <a:rPr lang="en-US" altLang="zh-TW" dirty="0">
+                <a:latin typeface="標楷體" panose="03000509000000000000" pitchFamily="65" charset="-120"/>
+                <a:ea typeface="標楷體" panose="03000509000000000000" pitchFamily="65" charset="-120"/>
+              </a:rPr>
+              <a:t>1</a:t>
+            </a:r>
+            <a:r>
+              <a:rPr lang="zh-TW" altLang="en-US" dirty="0">
+                <a:latin typeface="標楷體" panose="03000509000000000000" pitchFamily="65" charset="-120"/>
+                <a:ea typeface="標楷體" panose="03000509000000000000" pitchFamily="65" charset="-120"/>
+              </a:rPr>
+              <a:t>，我就無法在</a:t>
+            </a:r>
+            <a:r>
+              <a:rPr lang="en-US" altLang="zh-TW" dirty="0">
+                <a:latin typeface="標楷體" panose="03000509000000000000" pitchFamily="65" charset="-120"/>
+                <a:ea typeface="標楷體" panose="03000509000000000000" pitchFamily="65" charset="-120"/>
+              </a:rPr>
+              <a:t>always block</a:t>
+            </a:r>
+            <a:r>
+              <a:rPr lang="zh-TW" altLang="en-US" dirty="0">
+                <a:latin typeface="標楷體" panose="03000509000000000000" pitchFamily="65" charset="-120"/>
+                <a:ea typeface="標楷體" panose="03000509000000000000" pitchFamily="65" charset="-120"/>
+              </a:rPr>
+              <a:t>裡面把他拉下來變</a:t>
+            </a:r>
+            <a:r>
+              <a:rPr lang="en-US" altLang="zh-TW" dirty="0">
+                <a:latin typeface="標楷體" panose="03000509000000000000" pitchFamily="65" charset="-120"/>
+                <a:ea typeface="標楷體" panose="03000509000000000000" pitchFamily="65" charset="-120"/>
+              </a:rPr>
+              <a:t>0</a:t>
+            </a:r>
+            <a:r>
+              <a:rPr lang="zh-TW" altLang="en-US" dirty="0">
+                <a:latin typeface="標楷體" panose="03000509000000000000" pitchFamily="65" charset="-120"/>
+                <a:ea typeface="標楷體" panose="03000509000000000000" pitchFamily="65" charset="-120"/>
+              </a:rPr>
+              <a:t>，也有可能是我沒想到，但最後還是換了一個寫法，如實驗</a:t>
+            </a:r>
+            <a:r>
+              <a:rPr lang="zh-TW" altLang="en-US">
+                <a:latin typeface="標楷體" panose="03000509000000000000" pitchFamily="65" charset="-120"/>
+                <a:ea typeface="標楷體" panose="03000509000000000000" pitchFamily="65" charset="-120"/>
+              </a:rPr>
+              <a:t>程式碼那邊所張貼的。</a:t>
+            </a:r>
+            <a:endParaRPr lang="zh-TW" altLang="en-US" dirty="0">
+              <a:latin typeface="標楷體" panose="03000509000000000000" pitchFamily="65" charset="-120"/>
+              <a:ea typeface="標楷體" panose="03000509000000000000" pitchFamily="65" charset="-120"/>
+            </a:endParaRPr>
+          </a:p>
+        </p:txBody>
+      </p:sp>
+      <p:pic>
+        <p:nvPicPr>
+          <p:cNvPr id="7" name="圖片 6">
+            <a:extLst>
+              <a:ext uri="{FF2B5EF4-FFF2-40B4-BE49-F238E27FC236}">
+                <a16:creationId xmlns:a16="http://schemas.microsoft.com/office/drawing/2014/main" id="{8ED35A43-30FA-DB8C-FD36-53B7198FD1DD}"/>
+              </a:ext>
+            </a:extLst>
+          </p:cNvPr>
+          <p:cNvPicPr>
+            <a:picLocks noChangeAspect="1"/>
+          </p:cNvPicPr>
+          <p:nvPr/>
+        </p:nvPicPr>
+        <p:blipFill>
+          <a:blip r:embed="rId2"/>
+          <a:stretch>
+            <a:fillRect/>
+          </a:stretch>
+        </p:blipFill>
+        <p:spPr>
+          <a:xfrm>
+            <a:off x="0" y="4419475"/>
+            <a:ext cx="5207268" cy="2438525"/>
+          </a:xfrm>
+          <a:prstGeom prst="rect">
+            <a:avLst/>
+          </a:prstGeom>
+        </p:spPr>
+      </p:pic>
     </p:spTree>
     <p:extLst>
       <p:ext uri="{BB962C8B-B14F-4D97-AF65-F5344CB8AC3E}">
@@ -3659,6 +3807,182 @@
           <a:chExt cx="0" cy="0"/>
         </a:xfrm>
       </p:grpSpPr>
+      <p:sp>
+        <p:nvSpPr>
+          <p:cNvPr id="2" name="文字方塊 1">
+            <a:extLst>
+              <a:ext uri="{FF2B5EF4-FFF2-40B4-BE49-F238E27FC236}">
+                <a16:creationId xmlns:a16="http://schemas.microsoft.com/office/drawing/2014/main" id="{180FEF07-442B-C695-B2E7-5D11F35EFF90}"/>
+              </a:ext>
+            </a:extLst>
+          </p:cNvPr>
+          <p:cNvSpPr txBox="1"/>
+          <p:nvPr/>
+        </p:nvSpPr>
+        <p:spPr>
+          <a:xfrm>
+            <a:off x="3234153" y="2393396"/>
+            <a:ext cx="6192145" cy="1290097"/>
+          </a:xfrm>
+          <a:prstGeom prst="rect">
+            <a:avLst/>
+          </a:prstGeom>
+          <a:noFill/>
+        </p:spPr>
+        <p:txBody>
+          <a:bodyPr wrap="square" rtlCol="0">
+            <a:spAutoFit/>
+          </a:bodyPr>
+          <a:lstStyle/>
+          <a:p>
+            <a:pPr>
+              <a:lnSpc>
+                <a:spcPct val="150000"/>
+              </a:lnSpc>
+            </a:pPr>
+            <a:r>
+              <a:rPr lang="zh-TW" altLang="en-US" dirty="0">
+                <a:latin typeface="標楷體" panose="03000509000000000000" pitchFamily="65" charset="-120"/>
+                <a:ea typeface="標楷體" panose="03000509000000000000" pitchFamily="65" charset="-120"/>
+              </a:rPr>
+              <a:t>透過</a:t>
+            </a:r>
+            <a:r>
+              <a:rPr lang="en-US" altLang="zh-TW" dirty="0">
+                <a:latin typeface="Times New Roman" panose="02020603050405020304" pitchFamily="18" charset="0"/>
+                <a:ea typeface="標楷體" panose="03000509000000000000" pitchFamily="65" charset="-120"/>
+                <a:cs typeface="Times New Roman" panose="02020603050405020304" pitchFamily="18" charset="0"/>
+              </a:rPr>
+              <a:t>RTL</a:t>
+            </a:r>
+            <a:r>
+              <a:rPr lang="zh-TW" altLang="en-US" dirty="0">
+                <a:latin typeface="Times New Roman" panose="02020603050405020304" pitchFamily="18" charset="0"/>
+                <a:ea typeface="標楷體" panose="03000509000000000000" pitchFamily="65" charset="-120"/>
+                <a:cs typeface="Times New Roman" panose="02020603050405020304" pitchFamily="18" charset="0"/>
+              </a:rPr>
+              <a:t> </a:t>
+            </a:r>
+            <a:r>
+              <a:rPr lang="en-US" altLang="zh-TW" dirty="0">
+                <a:latin typeface="Times New Roman" panose="02020603050405020304" pitchFamily="18" charset="0"/>
+                <a:ea typeface="標楷體" panose="03000509000000000000" pitchFamily="65" charset="-120"/>
+                <a:cs typeface="Times New Roman" panose="02020603050405020304" pitchFamily="18" charset="0"/>
+              </a:rPr>
+              <a:t>coding</a:t>
+            </a:r>
+            <a:r>
+              <a:rPr lang="zh-TW" altLang="en-US" dirty="0">
+                <a:latin typeface="標楷體" panose="03000509000000000000" pitchFamily="65" charset="-120"/>
+                <a:ea typeface="標楷體" panose="03000509000000000000" pitchFamily="65" charset="-120"/>
+              </a:rPr>
+              <a:t>實現</a:t>
+            </a:r>
+            <a:r>
+              <a:rPr lang="en-US" altLang="zh-TW" dirty="0">
+                <a:latin typeface="標楷體" panose="03000509000000000000" pitchFamily="65" charset="-120"/>
+                <a:ea typeface="標楷體" panose="03000509000000000000" pitchFamily="65" charset="-120"/>
+              </a:rPr>
+              <a:t>24</a:t>
+            </a:r>
+            <a:r>
+              <a:rPr lang="zh-TW" altLang="en-US" dirty="0">
+                <a:latin typeface="標楷體" panose="03000509000000000000" pitchFamily="65" charset="-120"/>
+                <a:ea typeface="標楷體" panose="03000509000000000000" pitchFamily="65" charset="-120"/>
+              </a:rPr>
+              <a:t>小時制的電子鐘，熟悉記憶元件</a:t>
+            </a:r>
+            <a:r>
+              <a:rPr lang="en-US" altLang="zh-TW" dirty="0">
+                <a:latin typeface="Times New Roman" panose="02020603050405020304" pitchFamily="18" charset="0"/>
+                <a:ea typeface="標楷體" panose="03000509000000000000" pitchFamily="65" charset="-120"/>
+                <a:cs typeface="Times New Roman" panose="02020603050405020304" pitchFamily="18" charset="0"/>
+              </a:rPr>
+              <a:t>D-Flip-Flop</a:t>
+            </a:r>
+            <a:r>
+              <a:rPr lang="zh-TW" altLang="en-US" dirty="0">
+                <a:latin typeface="標楷體" panose="03000509000000000000" pitchFamily="65" charset="-120"/>
+                <a:ea typeface="標楷體" panose="03000509000000000000" pitchFamily="65" charset="-120"/>
+              </a:rPr>
+              <a:t>，以及如何將</a:t>
+            </a:r>
+            <a:r>
+              <a:rPr lang="en-US" altLang="zh-TW" dirty="0">
+                <a:latin typeface="標楷體" panose="03000509000000000000" pitchFamily="65" charset="-120"/>
+                <a:ea typeface="標楷體" panose="03000509000000000000" pitchFamily="65" charset="-120"/>
+              </a:rPr>
+              <a:t>50</a:t>
+            </a:r>
+            <a:r>
+              <a:rPr lang="en-US" altLang="zh-TW" dirty="0">
+                <a:latin typeface="Times New Roman" panose="02020603050405020304" pitchFamily="18" charset="0"/>
+                <a:ea typeface="標楷體" panose="03000509000000000000" pitchFamily="65" charset="-120"/>
+                <a:cs typeface="Times New Roman" panose="02020603050405020304" pitchFamily="18" charset="0"/>
+              </a:rPr>
+              <a:t>MHZ</a:t>
+            </a:r>
+            <a:r>
+              <a:rPr lang="zh-TW" altLang="en-US" dirty="0">
+                <a:latin typeface="標楷體" panose="03000509000000000000" pitchFamily="65" charset="-120"/>
+                <a:ea typeface="標楷體" panose="03000509000000000000" pitchFamily="65" charset="-120"/>
+              </a:rPr>
+              <a:t>的</a:t>
+            </a:r>
+            <a:r>
+              <a:rPr lang="en-US" altLang="zh-TW" dirty="0">
+                <a:latin typeface="Times New Roman" panose="02020603050405020304" pitchFamily="18" charset="0"/>
+                <a:ea typeface="標楷體" panose="03000509000000000000" pitchFamily="65" charset="-120"/>
+                <a:cs typeface="Times New Roman" panose="02020603050405020304" pitchFamily="18" charset="0"/>
+              </a:rPr>
+              <a:t>Clock</a:t>
+            </a:r>
+            <a:r>
+              <a:rPr lang="zh-TW" altLang="en-US" dirty="0">
+                <a:latin typeface="標楷體" panose="03000509000000000000" pitchFamily="65" charset="-120"/>
+                <a:ea typeface="標楷體" panose="03000509000000000000" pitchFamily="65" charset="-120"/>
+              </a:rPr>
+              <a:t>降為</a:t>
+            </a:r>
+            <a:r>
+              <a:rPr lang="en-US" altLang="zh-TW" dirty="0">
+                <a:latin typeface="標楷體" panose="03000509000000000000" pitchFamily="65" charset="-120"/>
+                <a:ea typeface="標楷體" panose="03000509000000000000" pitchFamily="65" charset="-120"/>
+              </a:rPr>
+              <a:t>1</a:t>
+            </a:r>
+            <a:r>
+              <a:rPr lang="en-US" altLang="zh-TW" dirty="0">
+                <a:latin typeface="Times New Roman" panose="02020603050405020304" pitchFamily="18" charset="0"/>
+                <a:ea typeface="標楷體" panose="03000509000000000000" pitchFamily="65" charset="-120"/>
+                <a:cs typeface="Times New Roman" panose="02020603050405020304" pitchFamily="18" charset="0"/>
+              </a:rPr>
+              <a:t>HZ</a:t>
+            </a:r>
+            <a:r>
+              <a:rPr lang="zh-TW" altLang="en-US" dirty="0">
+                <a:latin typeface="標楷體" panose="03000509000000000000" pitchFamily="65" charset="-120"/>
+                <a:ea typeface="標楷體" panose="03000509000000000000" pitchFamily="65" charset="-120"/>
+              </a:rPr>
+              <a:t>，實現</a:t>
+            </a:r>
+            <a:r>
+              <a:rPr lang="en-US" altLang="zh-TW" dirty="0">
+                <a:latin typeface="標楷體" panose="03000509000000000000" pitchFamily="65" charset="-120"/>
+                <a:ea typeface="標楷體" panose="03000509000000000000" pitchFamily="65" charset="-120"/>
+              </a:rPr>
+              <a:t>1</a:t>
+            </a:r>
+            <a:r>
+              <a:rPr lang="zh-TW" altLang="en-US" dirty="0">
+                <a:latin typeface="標楷體" panose="03000509000000000000" pitchFamily="65" charset="-120"/>
+                <a:ea typeface="標楷體" panose="03000509000000000000" pitchFamily="65" charset="-120"/>
+              </a:rPr>
+              <a:t>秒步進的時鐘</a:t>
+            </a:r>
+          </a:p>
+        </p:txBody>
+      </p:sp>
     </p:spTree>
     <p:extLst>
       <p:ext uri="{BB962C8B-B14F-4D97-AF65-F5344CB8AC3E}">
@@ -4064,7 +4388,7 @@
         <p:cNvPr id="1" name="">
           <a:extLst>
             <a:ext uri="{FF2B5EF4-FFF2-40B4-BE49-F238E27FC236}">
-              <a16:creationId xmlns:a16="http://schemas.microsoft.com/office/drawing/2014/main" id="{B97CF553-D63E-8171-AEC8-9F2E66AF6B2F}"/>
+              <a16:creationId xmlns:a16="http://schemas.microsoft.com/office/drawing/2014/main" id="{56614DED-5E7A-1AB6-F671-ED677E146B2F}"/>
             </a:ext>
           </a:extLst>
         </p:cNvPr>
@@ -4084,7 +4408,7 @@
           <p:cNvPr id="2" name="標題 1">
             <a:extLst>
               <a:ext uri="{FF2B5EF4-FFF2-40B4-BE49-F238E27FC236}">
-                <a16:creationId xmlns:a16="http://schemas.microsoft.com/office/drawing/2014/main" id="{50836F3C-89DF-2F37-84BF-79D4B296ED1B}"/>
+                <a16:creationId xmlns:a16="http://schemas.microsoft.com/office/drawing/2014/main" id="{D8B7F0BE-C2F3-E628-87D7-448397E76B7E}"/>
               </a:ext>
             </a:extLst>
           </p:cNvPr>
@@ -4106,18 +4430,11 @@
           <a:lstStyle/>
           <a:p>
             <a:r>
-              <a:rPr lang="en-US" altLang="zh-TW" dirty="0">
-                <a:latin typeface="標楷體" panose="03000509000000000000" pitchFamily="65" charset="-120"/>
-                <a:ea typeface="標楷體" panose="03000509000000000000" pitchFamily="65" charset="-120"/>
-              </a:rPr>
-              <a:t>RTL</a:t>
-            </a:r>
-            <a:r>
               <a:rPr lang="zh-TW" altLang="en-US" dirty="0">
                 <a:latin typeface="標楷體" panose="03000509000000000000" pitchFamily="65" charset="-120"/>
                 <a:ea typeface="標楷體" panose="03000509000000000000" pitchFamily="65" charset="-120"/>
               </a:rPr>
-              <a:t>佈局</a:t>
+              <a:t>問題與討論</a:t>
             </a:r>
           </a:p>
         </p:txBody>
@@ -4125,7 +4442,7 @@
     </p:spTree>
     <p:extLst>
       <p:ext uri="{BB962C8B-B14F-4D97-AF65-F5344CB8AC3E}">
-        <p14:creationId xmlns:p14="http://schemas.microsoft.com/office/powerpoint/2010/main" val="2973614798"/>
+        <p14:creationId xmlns:p14="http://schemas.microsoft.com/office/powerpoint/2010/main" val="2252927369"/>
       </p:ext>
     </p:extLst>
   </p:cSld>

--- a/LAB02/lab2_312651057.pptx
+++ b/LAB02/lab2_312651057.pptx
@@ -3659,19 +3659,8 @@
                 <a:latin typeface="標楷體" panose="03000509000000000000" pitchFamily="65" charset="-120"/>
                 <a:ea typeface="標楷體" panose="03000509000000000000" pitchFamily="65" charset="-120"/>
               </a:rPr>
-              <a:t>，也有可能是我沒想到，但最後還是換了一個寫法，如實驗</a:t>
-            </a:r>
-            <a:r>
-              <a:rPr lang="zh-TW" altLang="en-US">
-                <a:latin typeface="標楷體" panose="03000509000000000000" pitchFamily="65" charset="-120"/>
-                <a:ea typeface="標楷體" panose="03000509000000000000" pitchFamily="65" charset="-120"/>
-              </a:rPr>
-              <a:t>程式碼那邊所張貼的。</a:t>
-            </a:r>
-            <a:endParaRPr lang="zh-TW" altLang="en-US" dirty="0">
-              <a:latin typeface="標楷體" panose="03000509000000000000" pitchFamily="65" charset="-120"/>
-              <a:ea typeface="標楷體" panose="03000509000000000000" pitchFamily="65" charset="-120"/>
-            </a:endParaRPr>
+              <a:t>，也有可能是我沒想到，但最後還是換了一個寫法，如實驗程式碼那邊所張貼的。</a:t>
+            </a:r>
           </a:p>
         </p:txBody>
       </p:sp>
